--- a/images/architecture.pptx
+++ b/images/architecture.pptx
@@ -104,6 +104,11 @@
       </a:defRPr>
     </a:lvl9pPr>
   </p:defaultTextStyle>
+  <p:extLst>
+    <p:ext uri="{EFAFB233-063F-42B5-8137-9DF3F51BA10A}">
+      <p15:sldGuideLst xmlns:p15="http://schemas.microsoft.com/office/powerpoint/2012/main"/>
+    </p:ext>
+  </p:extLst>
 </p:presentation>
 </file>
 
@@ -254,7 +259,7 @@
           <a:p>
             <a:fld id="{A0E5D802-2F62-0D4C-90D0-B6C2F1544CEE}" type="datetimeFigureOut">
               <a:rPr lang="en-US" smtClean="0"/>
-              <a:t>2/14/18</a:t>
+              <a:t>3/6/18</a:t>
             </a:fld>
             <a:endParaRPr lang="en-US"/>
           </a:p>
@@ -452,7 +457,7 @@
           <a:p>
             <a:fld id="{A0E5D802-2F62-0D4C-90D0-B6C2F1544CEE}" type="datetimeFigureOut">
               <a:rPr lang="en-US" smtClean="0"/>
-              <a:t>2/14/18</a:t>
+              <a:t>3/6/18</a:t>
             </a:fld>
             <a:endParaRPr lang="en-US"/>
           </a:p>
@@ -660,7 +665,7 @@
           <a:p>
             <a:fld id="{A0E5D802-2F62-0D4C-90D0-B6C2F1544CEE}" type="datetimeFigureOut">
               <a:rPr lang="en-US" smtClean="0"/>
-              <a:t>2/14/18</a:t>
+              <a:t>3/6/18</a:t>
             </a:fld>
             <a:endParaRPr lang="en-US"/>
           </a:p>
@@ -858,7 +863,7 @@
           <a:p>
             <a:fld id="{A0E5D802-2F62-0D4C-90D0-B6C2F1544CEE}" type="datetimeFigureOut">
               <a:rPr lang="en-US" smtClean="0"/>
-              <a:t>2/14/18</a:t>
+              <a:t>3/6/18</a:t>
             </a:fld>
             <a:endParaRPr lang="en-US"/>
           </a:p>
@@ -1133,7 +1138,7 @@
           <a:p>
             <a:fld id="{A0E5D802-2F62-0D4C-90D0-B6C2F1544CEE}" type="datetimeFigureOut">
               <a:rPr lang="en-US" smtClean="0"/>
-              <a:t>2/14/18</a:t>
+              <a:t>3/6/18</a:t>
             </a:fld>
             <a:endParaRPr lang="en-US"/>
           </a:p>
@@ -1398,7 +1403,7 @@
           <a:p>
             <a:fld id="{A0E5D802-2F62-0D4C-90D0-B6C2F1544CEE}" type="datetimeFigureOut">
               <a:rPr lang="en-US" smtClean="0"/>
-              <a:t>2/14/18</a:t>
+              <a:t>3/6/18</a:t>
             </a:fld>
             <a:endParaRPr lang="en-US"/>
           </a:p>
@@ -1810,7 +1815,7 @@
           <a:p>
             <a:fld id="{A0E5D802-2F62-0D4C-90D0-B6C2F1544CEE}" type="datetimeFigureOut">
               <a:rPr lang="en-US" smtClean="0"/>
-              <a:t>2/14/18</a:t>
+              <a:t>3/6/18</a:t>
             </a:fld>
             <a:endParaRPr lang="en-US"/>
           </a:p>
@@ -1951,7 +1956,7 @@
           <a:p>
             <a:fld id="{A0E5D802-2F62-0D4C-90D0-B6C2F1544CEE}" type="datetimeFigureOut">
               <a:rPr lang="en-US" smtClean="0"/>
-              <a:t>2/14/18</a:t>
+              <a:t>3/6/18</a:t>
             </a:fld>
             <a:endParaRPr lang="en-US"/>
           </a:p>
@@ -2064,7 +2069,7 @@
           <a:p>
             <a:fld id="{A0E5D802-2F62-0D4C-90D0-B6C2F1544CEE}" type="datetimeFigureOut">
               <a:rPr lang="en-US" smtClean="0"/>
-              <a:t>2/14/18</a:t>
+              <a:t>3/6/18</a:t>
             </a:fld>
             <a:endParaRPr lang="en-US"/>
           </a:p>
@@ -2375,7 +2380,7 @@
           <a:p>
             <a:fld id="{A0E5D802-2F62-0D4C-90D0-B6C2F1544CEE}" type="datetimeFigureOut">
               <a:rPr lang="en-US" smtClean="0"/>
-              <a:t>2/14/18</a:t>
+              <a:t>3/6/18</a:t>
             </a:fld>
             <a:endParaRPr lang="en-US"/>
           </a:p>
@@ -2663,7 +2668,7 @@
           <a:p>
             <a:fld id="{A0E5D802-2F62-0D4C-90D0-B6C2F1544CEE}" type="datetimeFigureOut">
               <a:rPr lang="en-US" smtClean="0"/>
-              <a:t>2/14/18</a:t>
+              <a:t>3/6/18</a:t>
             </a:fld>
             <a:endParaRPr lang="en-US"/>
           </a:p>
@@ -2904,7 +2909,7 @@
           <a:p>
             <a:fld id="{A0E5D802-2F62-0D4C-90D0-B6C2F1544CEE}" type="datetimeFigureOut">
               <a:rPr lang="en-US" smtClean="0"/>
-              <a:t>2/14/18</a:t>
+              <a:t>3/6/18</a:t>
             </a:fld>
             <a:endParaRPr lang="en-US"/>
           </a:p>
@@ -3335,8 +3340,8 @@
         </p:nvSpPr>
         <p:spPr>
           <a:xfrm>
-            <a:off x="6644735" y="1886114"/>
-            <a:ext cx="3753162" cy="2789499"/>
+            <a:off x="5906380" y="1895541"/>
+            <a:ext cx="3601421" cy="2789499"/>
           </a:xfrm>
           <a:prstGeom prst="rect">
             <a:avLst/>
@@ -3379,8 +3384,8 @@
         </p:nvSpPr>
         <p:spPr>
           <a:xfrm>
-            <a:off x="992525" y="1886673"/>
-            <a:ext cx="3753162" cy="2789499"/>
+            <a:off x="1511013" y="1886673"/>
+            <a:ext cx="3750124" cy="2789499"/>
           </a:xfrm>
           <a:prstGeom prst="rect">
             <a:avLst/>
@@ -3425,7 +3430,7 @@
         </p:nvSpPr>
         <p:spPr>
           <a:xfrm>
-            <a:off x="1693212" y="2696545"/>
+            <a:off x="2211700" y="2696545"/>
             <a:ext cx="0" cy="0"/>
           </a:xfrm>
           <a:prstGeom prst="ellipse">
@@ -3474,7 +3479,7 @@
         </p:nvSpPr>
         <p:spPr>
           <a:xfrm>
-            <a:off x="1693213" y="3292006"/>
+            <a:off x="2211701" y="3292006"/>
             <a:ext cx="0" cy="0"/>
           </a:xfrm>
           <a:prstGeom prst="ellipse">
@@ -3523,7 +3528,7 @@
         </p:nvSpPr>
         <p:spPr>
           <a:xfrm>
-            <a:off x="1693212" y="3887466"/>
+            <a:off x="2211700" y="3887466"/>
             <a:ext cx="0" cy="0"/>
           </a:xfrm>
           <a:prstGeom prst="ellipse">
@@ -3572,7 +3577,7 @@
         </p:nvSpPr>
         <p:spPr>
           <a:xfrm>
-            <a:off x="2350559" y="2355128"/>
+            <a:off x="2869047" y="2355128"/>
             <a:ext cx="0" cy="0"/>
           </a:xfrm>
           <a:prstGeom prst="ellipse">
@@ -3621,7 +3626,7 @@
         </p:nvSpPr>
         <p:spPr>
           <a:xfrm>
-            <a:off x="2350560" y="2985314"/>
+            <a:off x="2869048" y="2985314"/>
             <a:ext cx="0" cy="0"/>
           </a:xfrm>
           <a:prstGeom prst="ellipse">
@@ -3670,7 +3675,7 @@
         </p:nvSpPr>
         <p:spPr>
           <a:xfrm>
-            <a:off x="2350559" y="3603924"/>
+            <a:off x="2869047" y="3603924"/>
             <a:ext cx="0" cy="0"/>
           </a:xfrm>
           <a:prstGeom prst="ellipse">
@@ -3719,7 +3724,7 @@
         </p:nvSpPr>
         <p:spPr>
           <a:xfrm>
-            <a:off x="2350560" y="4135225"/>
+            <a:off x="2869048" y="4135225"/>
             <a:ext cx="0" cy="0"/>
           </a:xfrm>
           <a:prstGeom prst="ellipse">
@@ -3766,7 +3771,7 @@
         </p:nvSpPr>
         <p:spPr>
           <a:xfrm>
-            <a:off x="1334993" y="3119181"/>
+            <a:off x="1853481" y="3119181"/>
             <a:ext cx="358219" cy="358219"/>
           </a:xfrm>
           <a:prstGeom prst="ellipse">
@@ -3813,7 +3818,7 @@
         </p:nvSpPr>
         <p:spPr>
           <a:xfrm>
-            <a:off x="2350559" y="2794455"/>
+            <a:off x="2869047" y="2794455"/>
             <a:ext cx="358219" cy="358219"/>
           </a:xfrm>
           <a:prstGeom prst="ellipse">
@@ -3860,7 +3865,7 @@
         </p:nvSpPr>
         <p:spPr>
           <a:xfrm>
-            <a:off x="2350558" y="3420613"/>
+            <a:off x="2869046" y="3420613"/>
             <a:ext cx="358219" cy="358219"/>
           </a:xfrm>
           <a:prstGeom prst="ellipse">
@@ -3904,7 +3909,7 @@
         </p:nvSpPr>
         <p:spPr>
           <a:xfrm>
-            <a:off x="2350557" y="2166351"/>
+            <a:off x="2869045" y="2166351"/>
             <a:ext cx="358219" cy="358219"/>
           </a:xfrm>
           <a:prstGeom prst="ellipse">
@@ -3948,7 +3953,7 @@
         </p:nvSpPr>
         <p:spPr>
           <a:xfrm>
-            <a:off x="2350557" y="4002705"/>
+            <a:off x="2869045" y="4002705"/>
             <a:ext cx="358219" cy="358219"/>
           </a:xfrm>
           <a:prstGeom prst="ellipse">
@@ -3996,7 +4001,7 @@
         </p:nvCxnSpPr>
         <p:spPr>
           <a:xfrm>
-            <a:off x="1693213" y="2696546"/>
+            <a:off x="2211701" y="2696546"/>
             <a:ext cx="657347" cy="1438680"/>
           </a:xfrm>
           <a:prstGeom prst="straightConnector1">
@@ -4039,7 +4044,7 @@
         </p:nvCxnSpPr>
         <p:spPr>
           <a:xfrm>
-            <a:off x="1693213" y="2696546"/>
+            <a:off x="2211701" y="2696546"/>
             <a:ext cx="657346" cy="907379"/>
           </a:xfrm>
           <a:prstGeom prst="straightConnector1">
@@ -4082,7 +4087,7 @@
         </p:nvCxnSpPr>
         <p:spPr>
           <a:xfrm>
-            <a:off x="1693213" y="2696546"/>
+            <a:off x="2211701" y="2696546"/>
             <a:ext cx="657347" cy="288769"/>
           </a:xfrm>
           <a:prstGeom prst="straightConnector1">
@@ -4125,7 +4130,7 @@
         </p:nvCxnSpPr>
         <p:spPr>
           <a:xfrm flipV="1">
-            <a:off x="1693214" y="2985315"/>
+            <a:off x="2211702" y="2985315"/>
             <a:ext cx="657346" cy="306692"/>
           </a:xfrm>
           <a:prstGeom prst="straightConnector1">
@@ -4168,7 +4173,7 @@
         </p:nvCxnSpPr>
         <p:spPr>
           <a:xfrm>
-            <a:off x="1693214" y="3292007"/>
+            <a:off x="2211702" y="3292007"/>
             <a:ext cx="657345" cy="311918"/>
           </a:xfrm>
           <a:prstGeom prst="straightConnector1">
@@ -4211,7 +4216,7 @@
         </p:nvCxnSpPr>
         <p:spPr>
           <a:xfrm>
-            <a:off x="1693214" y="3292007"/>
+            <a:off x="2211702" y="3292007"/>
             <a:ext cx="657346" cy="843219"/>
           </a:xfrm>
           <a:prstGeom prst="straightConnector1">
@@ -4254,7 +4259,7 @@
         </p:nvCxnSpPr>
         <p:spPr>
           <a:xfrm flipV="1">
-            <a:off x="1693214" y="2355129"/>
+            <a:off x="2211702" y="2355129"/>
             <a:ext cx="657345" cy="936878"/>
           </a:xfrm>
           <a:prstGeom prst="straightConnector1">
@@ -4297,7 +4302,7 @@
         </p:nvCxnSpPr>
         <p:spPr>
           <a:xfrm flipV="1">
-            <a:off x="1693214" y="2355129"/>
+            <a:off x="2211702" y="2355129"/>
             <a:ext cx="657345" cy="936878"/>
           </a:xfrm>
           <a:prstGeom prst="straightConnector1">
@@ -4340,7 +4345,7 @@
         </p:nvCxnSpPr>
         <p:spPr>
           <a:xfrm flipV="1">
-            <a:off x="1693213" y="2985315"/>
+            <a:off x="2211701" y="2985315"/>
             <a:ext cx="657347" cy="902152"/>
           </a:xfrm>
           <a:prstGeom prst="straightConnector1">
@@ -4383,7 +4388,7 @@
         </p:nvCxnSpPr>
         <p:spPr>
           <a:xfrm flipV="1">
-            <a:off x="1693213" y="2355129"/>
+            <a:off x="2211701" y="2355129"/>
             <a:ext cx="657346" cy="1532338"/>
           </a:xfrm>
           <a:prstGeom prst="straightConnector1">
@@ -4426,7 +4431,7 @@
         </p:nvCxnSpPr>
         <p:spPr>
           <a:xfrm>
-            <a:off x="1693213" y="3887467"/>
+            <a:off x="2211701" y="3887467"/>
             <a:ext cx="657347" cy="247759"/>
           </a:xfrm>
           <a:prstGeom prst="straightConnector1">
@@ -4469,7 +4474,7 @@
         </p:nvCxnSpPr>
         <p:spPr>
           <a:xfrm flipV="1">
-            <a:off x="1693213" y="3603925"/>
+            <a:off x="2211701" y="3603925"/>
             <a:ext cx="657346" cy="283542"/>
           </a:xfrm>
           <a:prstGeom prst="straightConnector1">
@@ -4511,7 +4516,7 @@
         </p:nvCxnSpPr>
         <p:spPr>
           <a:xfrm flipV="1">
-            <a:off x="1697340" y="2355131"/>
+            <a:off x="2215828" y="2355131"/>
             <a:ext cx="653219" cy="362766"/>
           </a:xfrm>
           <a:prstGeom prst="straightConnector1">
@@ -4550,7 +4555,7 @@
         </p:nvSpPr>
         <p:spPr>
           <a:xfrm>
-            <a:off x="1334993" y="3705214"/>
+            <a:off x="1853481" y="3705214"/>
             <a:ext cx="358219" cy="358219"/>
           </a:xfrm>
           <a:prstGeom prst="ellipse">
@@ -4594,7 +4599,7 @@
         </p:nvSpPr>
         <p:spPr>
           <a:xfrm>
-            <a:off x="1339121" y="2538787"/>
+            <a:off x="1857609" y="2538787"/>
             <a:ext cx="358219" cy="358219"/>
           </a:xfrm>
           <a:prstGeom prst="ellipse">
@@ -4640,7 +4645,7 @@
         </p:nvSpPr>
         <p:spPr>
           <a:xfrm rot="10800000">
-            <a:off x="4208063" y="3877030"/>
+            <a:off x="4726551" y="3877030"/>
             <a:ext cx="0" cy="0"/>
           </a:xfrm>
           <a:prstGeom prst="ellipse">
@@ -4689,7 +4694,7 @@
         </p:nvSpPr>
         <p:spPr>
           <a:xfrm rot="10800000">
-            <a:off x="4208062" y="3281569"/>
+            <a:off x="4726550" y="3281569"/>
             <a:ext cx="0" cy="0"/>
           </a:xfrm>
           <a:prstGeom prst="ellipse">
@@ -4738,7 +4743,7 @@
         </p:nvSpPr>
         <p:spPr>
           <a:xfrm rot="10800000">
-            <a:off x="4208063" y="2686109"/>
+            <a:off x="4726551" y="2686109"/>
             <a:ext cx="0" cy="0"/>
           </a:xfrm>
           <a:prstGeom prst="ellipse">
@@ -4787,7 +4792,7 @@
         </p:nvSpPr>
         <p:spPr>
           <a:xfrm rot="10800000">
-            <a:off x="3550716" y="4172147"/>
+            <a:off x="4069204" y="4172147"/>
             <a:ext cx="0" cy="0"/>
           </a:xfrm>
           <a:prstGeom prst="ellipse">
@@ -4836,7 +4841,7 @@
         </p:nvSpPr>
         <p:spPr>
           <a:xfrm rot="10800000">
-            <a:off x="3550715" y="3576686"/>
+            <a:off x="4069203" y="3576686"/>
             <a:ext cx="0" cy="0"/>
           </a:xfrm>
           <a:prstGeom prst="ellipse">
@@ -4885,7 +4890,7 @@
         </p:nvSpPr>
         <p:spPr>
           <a:xfrm rot="10800000">
-            <a:off x="3550716" y="2981226"/>
+            <a:off x="4069204" y="2981226"/>
             <a:ext cx="0" cy="0"/>
           </a:xfrm>
           <a:prstGeom prst="ellipse">
@@ -4934,7 +4939,7 @@
         </p:nvSpPr>
         <p:spPr>
           <a:xfrm rot="10800000">
-            <a:off x="3550715" y="2392050"/>
+            <a:off x="4069203" y="2392050"/>
             <a:ext cx="0" cy="0"/>
           </a:xfrm>
           <a:prstGeom prst="ellipse">
@@ -4981,7 +4986,7 @@
         </p:nvSpPr>
         <p:spPr>
           <a:xfrm rot="10800000">
-            <a:off x="4208061" y="3101755"/>
+            <a:off x="4726549" y="3101755"/>
             <a:ext cx="358219" cy="358219"/>
           </a:xfrm>
           <a:prstGeom prst="ellipse">
@@ -5028,7 +5033,7 @@
         </p:nvSpPr>
         <p:spPr>
           <a:xfrm rot="10800000">
-            <a:off x="3192497" y="3409326"/>
+            <a:off x="3710985" y="3409326"/>
             <a:ext cx="358219" cy="358219"/>
           </a:xfrm>
           <a:prstGeom prst="ellipse">
@@ -5075,7 +5080,7 @@
         </p:nvSpPr>
         <p:spPr>
           <a:xfrm rot="10800000">
-            <a:off x="3192498" y="2806318"/>
+            <a:off x="3710986" y="2806318"/>
             <a:ext cx="358219" cy="358219"/>
           </a:xfrm>
           <a:prstGeom prst="ellipse">
@@ -5119,7 +5124,7 @@
         </p:nvSpPr>
         <p:spPr>
           <a:xfrm rot="10800000">
-            <a:off x="3192499" y="4002705"/>
+            <a:off x="3710987" y="4002705"/>
             <a:ext cx="358219" cy="358219"/>
           </a:xfrm>
           <a:prstGeom prst="ellipse">
@@ -5163,7 +5168,7 @@
         </p:nvSpPr>
         <p:spPr>
           <a:xfrm rot="10800000">
-            <a:off x="3192499" y="2166351"/>
+            <a:off x="3710987" y="2166351"/>
             <a:ext cx="358219" cy="358219"/>
           </a:xfrm>
           <a:prstGeom prst="ellipse">
@@ -5211,7 +5216,7 @@
         </p:nvCxnSpPr>
         <p:spPr>
           <a:xfrm flipH="1">
-            <a:off x="3550715" y="3281568"/>
+            <a:off x="4069203" y="3281568"/>
             <a:ext cx="657346" cy="295117"/>
           </a:xfrm>
           <a:prstGeom prst="straightConnector1">
@@ -5254,7 +5259,7 @@
         </p:nvCxnSpPr>
         <p:spPr>
           <a:xfrm flipH="1" flipV="1">
-            <a:off x="3550716" y="2981225"/>
+            <a:off x="4069204" y="2981225"/>
             <a:ext cx="657345" cy="300343"/>
           </a:xfrm>
           <a:prstGeom prst="straightConnector1">
@@ -5297,7 +5302,7 @@
         </p:nvCxnSpPr>
         <p:spPr>
           <a:xfrm flipH="1" flipV="1">
-            <a:off x="3550715" y="2392049"/>
+            <a:off x="4069203" y="2392049"/>
             <a:ext cx="657346" cy="889519"/>
           </a:xfrm>
           <a:prstGeom prst="straightConnector1">
@@ -5340,7 +5345,7 @@
         </p:nvCxnSpPr>
         <p:spPr>
           <a:xfrm flipH="1">
-            <a:off x="3550716" y="3281568"/>
+            <a:off x="4069204" y="3281568"/>
             <a:ext cx="657345" cy="890578"/>
           </a:xfrm>
           <a:prstGeom prst="straightConnector1">
@@ -5383,7 +5388,7 @@
         </p:nvCxnSpPr>
         <p:spPr>
           <a:xfrm flipH="1">
-            <a:off x="3550716" y="3281568"/>
+            <a:off x="4069204" y="3281568"/>
             <a:ext cx="657345" cy="890578"/>
           </a:xfrm>
           <a:prstGeom prst="straightConnector1">
@@ -5424,7 +5429,7 @@
         </p:nvSpPr>
         <p:spPr>
           <a:xfrm>
-            <a:off x="7174803" y="2696545"/>
+            <a:off x="6420643" y="2687118"/>
             <a:ext cx="0" cy="0"/>
           </a:xfrm>
           <a:prstGeom prst="ellipse">
@@ -5473,7 +5478,7 @@
         </p:nvSpPr>
         <p:spPr>
           <a:xfrm>
-            <a:off x="7174804" y="3292006"/>
+            <a:off x="6420644" y="3282579"/>
             <a:ext cx="0" cy="0"/>
           </a:xfrm>
           <a:prstGeom prst="ellipse">
@@ -5522,7 +5527,7 @@
         </p:nvSpPr>
         <p:spPr>
           <a:xfrm>
-            <a:off x="7174803" y="3887466"/>
+            <a:off x="6420643" y="3878039"/>
             <a:ext cx="0" cy="0"/>
           </a:xfrm>
           <a:prstGeom prst="ellipse">
@@ -5571,7 +5576,7 @@
         </p:nvSpPr>
         <p:spPr>
           <a:xfrm>
-            <a:off x="7832150" y="2459303"/>
+            <a:off x="7077990" y="2449876"/>
             <a:ext cx="0" cy="0"/>
           </a:xfrm>
           <a:prstGeom prst="ellipse">
@@ -5620,7 +5625,7 @@
         </p:nvSpPr>
         <p:spPr>
           <a:xfrm>
-            <a:off x="7832151" y="3054764"/>
+            <a:off x="7077991" y="3045337"/>
             <a:ext cx="0" cy="0"/>
           </a:xfrm>
           <a:prstGeom prst="ellipse">
@@ -5669,7 +5674,7 @@
         </p:nvSpPr>
         <p:spPr>
           <a:xfrm>
-            <a:off x="7832150" y="3650224"/>
+            <a:off x="7077990" y="3640797"/>
             <a:ext cx="0" cy="0"/>
           </a:xfrm>
           <a:prstGeom prst="ellipse">
@@ -5718,7 +5723,7 @@
         </p:nvSpPr>
         <p:spPr>
           <a:xfrm>
-            <a:off x="7832151" y="4239400"/>
+            <a:off x="7077991" y="4229973"/>
             <a:ext cx="0" cy="0"/>
           </a:xfrm>
           <a:prstGeom prst="ellipse">
@@ -5765,7 +5770,7 @@
         </p:nvSpPr>
         <p:spPr>
           <a:xfrm>
-            <a:off x="6816584" y="3119181"/>
+            <a:off x="6062424" y="3109754"/>
             <a:ext cx="358219" cy="358219"/>
           </a:xfrm>
           <a:prstGeom prst="ellipse">
@@ -5812,7 +5817,7 @@
         </p:nvSpPr>
         <p:spPr>
           <a:xfrm>
-            <a:off x="7832150" y="2863905"/>
+            <a:off x="7077990" y="2854478"/>
             <a:ext cx="358219" cy="358219"/>
           </a:xfrm>
           <a:prstGeom prst="ellipse">
@@ -5859,7 +5864,7 @@
         </p:nvSpPr>
         <p:spPr>
           <a:xfrm>
-            <a:off x="7832149" y="3466913"/>
+            <a:off x="7077989" y="3457486"/>
             <a:ext cx="358219" cy="358219"/>
           </a:xfrm>
           <a:prstGeom prst="ellipse">
@@ -5903,7 +5908,7 @@
         </p:nvSpPr>
         <p:spPr>
           <a:xfrm>
-            <a:off x="7832148" y="2270526"/>
+            <a:off x="7077988" y="2261099"/>
             <a:ext cx="358219" cy="358219"/>
           </a:xfrm>
           <a:prstGeom prst="ellipse">
@@ -5947,7 +5952,7 @@
         </p:nvSpPr>
         <p:spPr>
           <a:xfrm>
-            <a:off x="7832148" y="4106880"/>
+            <a:off x="7077988" y="4097453"/>
             <a:ext cx="358219" cy="358219"/>
           </a:xfrm>
           <a:prstGeom prst="ellipse">
@@ -5995,7 +6000,7 @@
         </p:nvCxnSpPr>
         <p:spPr>
           <a:xfrm flipV="1">
-            <a:off x="7174805" y="3054765"/>
+            <a:off x="6420645" y="3045338"/>
             <a:ext cx="657346" cy="237242"/>
           </a:xfrm>
           <a:prstGeom prst="straightConnector1">
@@ -6038,7 +6043,7 @@
         </p:nvCxnSpPr>
         <p:spPr>
           <a:xfrm>
-            <a:off x="7174805" y="3292007"/>
+            <a:off x="6420645" y="3282580"/>
             <a:ext cx="657345" cy="358218"/>
           </a:xfrm>
           <a:prstGeom prst="straightConnector1">
@@ -6081,7 +6086,7 @@
         </p:nvCxnSpPr>
         <p:spPr>
           <a:xfrm>
-            <a:off x="7174805" y="3292007"/>
+            <a:off x="6420645" y="3282580"/>
             <a:ext cx="657346" cy="947394"/>
           </a:xfrm>
           <a:prstGeom prst="straightConnector1">
@@ -6124,7 +6129,7 @@
         </p:nvCxnSpPr>
         <p:spPr>
           <a:xfrm flipV="1">
-            <a:off x="7174805" y="2459304"/>
+            <a:off x="6420645" y="2449877"/>
             <a:ext cx="657345" cy="832703"/>
           </a:xfrm>
           <a:prstGeom prst="straightConnector1">
@@ -6167,7 +6172,7 @@
         </p:nvCxnSpPr>
         <p:spPr>
           <a:xfrm flipV="1">
-            <a:off x="7174805" y="2459304"/>
+            <a:off x="6420645" y="2449877"/>
             <a:ext cx="657345" cy="832703"/>
           </a:xfrm>
           <a:prstGeom prst="straightConnector1">
@@ -6208,7 +6213,7 @@
         </p:nvSpPr>
         <p:spPr>
           <a:xfrm rot="10800000">
-            <a:off x="9825650" y="4037450"/>
+            <a:off x="9071490" y="4028023"/>
             <a:ext cx="0" cy="0"/>
           </a:xfrm>
           <a:prstGeom prst="ellipse">
@@ -6257,7 +6262,7 @@
         </p:nvSpPr>
         <p:spPr>
           <a:xfrm rot="10800000">
-            <a:off x="9825649" y="3673487"/>
+            <a:off x="9071489" y="3664060"/>
             <a:ext cx="0" cy="0"/>
           </a:xfrm>
           <a:prstGeom prst="ellipse">
@@ -6306,7 +6311,7 @@
         </p:nvSpPr>
         <p:spPr>
           <a:xfrm rot="10800000">
-            <a:off x="9825650" y="2846529"/>
+            <a:off x="9071490" y="2837102"/>
             <a:ext cx="0" cy="0"/>
           </a:xfrm>
           <a:prstGeom prst="ellipse">
@@ -6355,7 +6360,7 @@
         </p:nvSpPr>
         <p:spPr>
           <a:xfrm rot="10800000">
-            <a:off x="9168303" y="4274692"/>
+            <a:off x="8414143" y="4265265"/>
             <a:ext cx="0" cy="0"/>
           </a:xfrm>
           <a:prstGeom prst="ellipse">
@@ -6404,7 +6409,7 @@
         </p:nvSpPr>
         <p:spPr>
           <a:xfrm rot="10800000">
-            <a:off x="9168302" y="3679231"/>
+            <a:off x="8414142" y="3669804"/>
             <a:ext cx="0" cy="0"/>
           </a:xfrm>
           <a:prstGeom prst="ellipse">
@@ -6453,7 +6458,7 @@
         </p:nvSpPr>
         <p:spPr>
           <a:xfrm rot="10800000">
-            <a:off x="9168303" y="3083771"/>
+            <a:off x="8414143" y="3074344"/>
             <a:ext cx="0" cy="0"/>
           </a:xfrm>
           <a:prstGeom prst="ellipse">
@@ -6502,7 +6507,7 @@
         </p:nvSpPr>
         <p:spPr>
           <a:xfrm rot="10800000">
-            <a:off x="9168302" y="2494595"/>
+            <a:off x="8414142" y="2485168"/>
             <a:ext cx="0" cy="0"/>
           </a:xfrm>
           <a:prstGeom prst="ellipse">
@@ -6549,7 +6554,7 @@
         </p:nvSpPr>
         <p:spPr>
           <a:xfrm rot="10800000">
-            <a:off x="9825646" y="3511865"/>
+            <a:off x="9071486" y="3502438"/>
             <a:ext cx="358219" cy="358219"/>
           </a:xfrm>
           <a:prstGeom prst="ellipse">
@@ -6596,7 +6601,7 @@
         </p:nvSpPr>
         <p:spPr>
           <a:xfrm rot="10800000">
-            <a:off x="8810084" y="3511871"/>
+            <a:off x="8055924" y="3502444"/>
             <a:ext cx="358219" cy="358219"/>
           </a:xfrm>
           <a:prstGeom prst="ellipse">
@@ -6643,7 +6648,7 @@
         </p:nvSpPr>
         <p:spPr>
           <a:xfrm rot="10800000">
-            <a:off x="8810085" y="2908863"/>
+            <a:off x="8055925" y="2899436"/>
             <a:ext cx="358219" cy="358219"/>
           </a:xfrm>
           <a:prstGeom prst="ellipse">
@@ -6687,7 +6692,7 @@
         </p:nvSpPr>
         <p:spPr>
           <a:xfrm rot="10800000">
-            <a:off x="8810086" y="4105250"/>
+            <a:off x="8055926" y="4095823"/>
             <a:ext cx="358219" cy="358219"/>
           </a:xfrm>
           <a:prstGeom prst="ellipse">
@@ -6731,7 +6736,7 @@
         </p:nvSpPr>
         <p:spPr>
           <a:xfrm rot="10800000">
-            <a:off x="8810086" y="2268896"/>
+            <a:off x="8055926" y="2259469"/>
             <a:ext cx="358219" cy="358219"/>
           </a:xfrm>
           <a:prstGeom prst="ellipse">
@@ -6779,7 +6784,7 @@
         </p:nvCxnSpPr>
         <p:spPr>
           <a:xfrm flipH="1">
-            <a:off x="9168302" y="3673486"/>
+            <a:off x="8414142" y="3664059"/>
             <a:ext cx="657346" cy="5744"/>
           </a:xfrm>
           <a:prstGeom prst="straightConnector1">
@@ -6822,7 +6827,7 @@
         </p:nvCxnSpPr>
         <p:spPr>
           <a:xfrm flipH="1" flipV="1">
-            <a:off x="9168303" y="3083770"/>
+            <a:off x="8414143" y="3074343"/>
             <a:ext cx="657345" cy="589716"/>
           </a:xfrm>
           <a:prstGeom prst="straightConnector1">
@@ -6865,7 +6870,7 @@
         </p:nvCxnSpPr>
         <p:spPr>
           <a:xfrm flipH="1" flipV="1">
-            <a:off x="9168302" y="2494594"/>
+            <a:off x="8414142" y="2485167"/>
             <a:ext cx="657346" cy="1178892"/>
           </a:xfrm>
           <a:prstGeom prst="straightConnector1">
@@ -6908,7 +6913,7 @@
         </p:nvCxnSpPr>
         <p:spPr>
           <a:xfrm flipH="1">
-            <a:off x="9168303" y="3673486"/>
+            <a:off x="8414143" y="3664059"/>
             <a:ext cx="657345" cy="601205"/>
           </a:xfrm>
           <a:prstGeom prst="straightConnector1">
@@ -6951,7 +6956,7 @@
         </p:nvCxnSpPr>
         <p:spPr>
           <a:xfrm flipH="1">
-            <a:off x="9168303" y="3673486"/>
+            <a:off x="8414143" y="3664059"/>
             <a:ext cx="657345" cy="601205"/>
           </a:xfrm>
           <a:prstGeom prst="straightConnector1">
@@ -6992,7 +6997,7 @@
         </p:nvSpPr>
         <p:spPr>
           <a:xfrm rot="10800000">
-            <a:off x="9825649" y="3459373"/>
+            <a:off x="9071489" y="3449946"/>
             <a:ext cx="0" cy="0"/>
           </a:xfrm>
           <a:prstGeom prst="ellipse">
@@ -7041,7 +7046,7 @@
         </p:nvSpPr>
         <p:spPr>
           <a:xfrm rot="10800000">
-            <a:off x="9825648" y="3095410"/>
+            <a:off x="9071488" y="3085983"/>
             <a:ext cx="0" cy="0"/>
           </a:xfrm>
           <a:prstGeom prst="ellipse">
@@ -7090,7 +7095,7 @@
         </p:nvSpPr>
         <p:spPr>
           <a:xfrm rot="10800000">
-            <a:off x="9168302" y="4275355"/>
+            <a:off x="8414142" y="4265928"/>
             <a:ext cx="0" cy="0"/>
           </a:xfrm>
           <a:prstGeom prst="ellipse">
@@ -7139,7 +7144,7 @@
         </p:nvSpPr>
         <p:spPr>
           <a:xfrm rot="10800000">
-            <a:off x="9168301" y="3679894"/>
+            <a:off x="8414141" y="3670467"/>
             <a:ext cx="0" cy="0"/>
           </a:xfrm>
           <a:prstGeom prst="ellipse">
@@ -7188,7 +7193,7 @@
         </p:nvSpPr>
         <p:spPr>
           <a:xfrm rot="10800000">
-            <a:off x="9168302" y="3084434"/>
+            <a:off x="8414142" y="3075007"/>
             <a:ext cx="0" cy="0"/>
           </a:xfrm>
           <a:prstGeom prst="ellipse">
@@ -7237,7 +7242,7 @@
         </p:nvSpPr>
         <p:spPr>
           <a:xfrm rot="10800000">
-            <a:off x="9168301" y="2495258"/>
+            <a:off x="8414141" y="2485831"/>
             <a:ext cx="0" cy="0"/>
           </a:xfrm>
           <a:prstGeom prst="ellipse">
@@ -7284,7 +7289,7 @@
         </p:nvSpPr>
         <p:spPr>
           <a:xfrm rot="10800000">
-            <a:off x="9825645" y="2933788"/>
+            <a:off x="9071485" y="2924361"/>
             <a:ext cx="358219" cy="358219"/>
           </a:xfrm>
           <a:prstGeom prst="ellipse">
@@ -7335,7 +7340,7 @@
         </p:nvCxnSpPr>
         <p:spPr>
           <a:xfrm flipH="1">
-            <a:off x="9168301" y="3095409"/>
+            <a:off x="8414141" y="3085982"/>
             <a:ext cx="657346" cy="584484"/>
           </a:xfrm>
           <a:prstGeom prst="straightConnector1">
@@ -7378,7 +7383,7 @@
         </p:nvCxnSpPr>
         <p:spPr>
           <a:xfrm flipH="1" flipV="1">
-            <a:off x="9168302" y="3084433"/>
+            <a:off x="8414142" y="3075006"/>
             <a:ext cx="657345" cy="10976"/>
           </a:xfrm>
           <a:prstGeom prst="straightConnector1">
@@ -7421,7 +7426,7 @@
         </p:nvCxnSpPr>
         <p:spPr>
           <a:xfrm flipH="1" flipV="1">
-            <a:off x="9168301" y="2495257"/>
+            <a:off x="8414141" y="2485830"/>
             <a:ext cx="657346" cy="600152"/>
           </a:xfrm>
           <a:prstGeom prst="straightConnector1">
@@ -7464,7 +7469,7 @@
         </p:nvCxnSpPr>
         <p:spPr>
           <a:xfrm flipH="1">
-            <a:off x="9168302" y="3095409"/>
+            <a:off x="8414142" y="3085982"/>
             <a:ext cx="657345" cy="1179945"/>
           </a:xfrm>
           <a:prstGeom prst="straightConnector1">
@@ -7507,7 +7512,7 @@
         </p:nvCxnSpPr>
         <p:spPr>
           <a:xfrm flipH="1">
-            <a:off x="9168302" y="3095409"/>
+            <a:off x="8414142" y="3085982"/>
             <a:ext cx="657345" cy="1179945"/>
           </a:xfrm>
           <a:prstGeom prst="straightConnector1">
@@ -7546,7 +7551,7 @@
         </p:nvSpPr>
         <p:spPr>
           <a:xfrm>
-            <a:off x="2766771" y="3024373"/>
+            <a:off x="3285259" y="3024373"/>
             <a:ext cx="343364" cy="369332"/>
           </a:xfrm>
           <a:prstGeom prst="rect">
@@ -7597,7 +7602,7 @@
         </p:nvSpPr>
         <p:spPr>
           <a:xfrm>
-            <a:off x="8349634" y="3120998"/>
+            <a:off x="7595474" y="3111571"/>
             <a:ext cx="343364" cy="369332"/>
           </a:xfrm>
           <a:prstGeom prst="rect">
@@ -7648,7 +7653,7 @@
         </p:nvSpPr>
         <p:spPr>
           <a:xfrm>
-            <a:off x="1771644" y="1507545"/>
+            <a:off x="2290132" y="1507545"/>
             <a:ext cx="1990253" cy="369332"/>
           </a:xfrm>
           <a:prstGeom prst="rect">
@@ -7686,7 +7691,7 @@
         </p:nvSpPr>
         <p:spPr>
           <a:xfrm>
-            <a:off x="7377385" y="1511226"/>
+            <a:off x="6623225" y="1520653"/>
             <a:ext cx="2448260" cy="369332"/>
           </a:xfrm>
           <a:prstGeom prst="rect">
@@ -7731,8 +7736,8 @@
         </p:nvCxnSpPr>
         <p:spPr>
           <a:xfrm>
-            <a:off x="4566280" y="3280864"/>
-            <a:ext cx="1053208" cy="6538"/>
+            <a:off x="5084768" y="3280864"/>
+            <a:ext cx="440450" cy="6538"/>
           </a:xfrm>
           <a:prstGeom prst="straightConnector1">
             <a:avLst/>
@@ -7772,8 +7777,8 @@
             </p:nvSpPr>
             <p:spPr>
               <a:xfrm>
-                <a:off x="10397897" y="2725092"/>
-                <a:ext cx="1794103" cy="338554"/>
+                <a:off x="10092295" y="2929040"/>
+                <a:ext cx="622170" cy="338554"/>
               </a:xfrm>
               <a:prstGeom prst="rect">
                 <a:avLst/>
@@ -7786,10 +7791,11 @@
               </a:bodyPr>
               <a:lstStyle/>
               <a:p>
+                <a:pPr/>
                 <a14:m>
                   <m:oMathPara xmlns:m="http://schemas.openxmlformats.org/officeDocument/2006/math">
                     <m:oMathParaPr>
-                      <m:jc m:val="centerGroup"/>
+                      <m:jc m:val="left"/>
                     </m:oMathParaPr>
                     <m:oMath xmlns:m="http://schemas.openxmlformats.org/officeDocument/2006/math">
                       <m:sSub>
@@ -7829,78 +7835,6 @@
                           </m:r>
                         </m:sub>
                       </m:sSub>
-                      <m:r>
-                        <a:rPr lang="en-US" sz="1600" b="0" i="1" smtClean="0">
-                          <a:latin typeface="Cambria Math" panose="02040503050406030204" pitchFamily="18" charset="0"/>
-                        </a:rPr>
-                        <m:t>=</m:t>
-                      </m:r>
-                      <m:r>
-                        <a:rPr lang="en-US" sz="1600" b="0" i="1" smtClean="0">
-                          <a:latin typeface="Cambria Math" panose="02040503050406030204" pitchFamily="18" charset="0"/>
-                        </a:rPr>
-                        <m:t>𝑝</m:t>
-                      </m:r>
-                      <m:d>
-                        <m:dPr>
-                          <m:ctrlPr>
-                            <a:rPr lang="en-US" sz="1600" b="0" i="1" smtClean="0">
-                              <a:latin typeface="Cambria Math" panose="02040503050406030204" pitchFamily="18" charset="0"/>
-                            </a:rPr>
-                          </m:ctrlPr>
-                        </m:dPr>
-                        <m:e>
-                          <m:sSub>
-                            <m:sSubPr>
-                              <m:ctrlPr>
-                                <a:rPr lang="en-US" sz="1600" b="0" i="1" smtClean="0">
-                                  <a:latin typeface="Cambria Math" panose="02040503050406030204" pitchFamily="18" charset="0"/>
-                                </a:rPr>
-                              </m:ctrlPr>
-                            </m:sSubPr>
-                            <m:e>
-                              <m:r>
-                                <a:rPr lang="en-US" sz="1600" b="0" i="1" smtClean="0">
-                                  <a:latin typeface="Cambria Math" panose="02040503050406030204" pitchFamily="18" charset="0"/>
-                                </a:rPr>
-                                <m:t>𝑧</m:t>
-                              </m:r>
-                            </m:e>
-                            <m:sub>
-                              <m:r>
-                                <a:rPr lang="en-US" sz="1600" b="0" i="1" smtClean="0">
-                                  <a:latin typeface="Cambria Math" panose="02040503050406030204" pitchFamily="18" charset="0"/>
-                                </a:rPr>
-                                <m:t>𝑟𝑎𝑐𝑒</m:t>
-                              </m:r>
-                            </m:sub>
-                          </m:sSub>
-                          <m:r>
-                            <a:rPr lang="en-US" sz="1600" b="0" i="1" smtClean="0">
-                              <a:latin typeface="Cambria Math" panose="02040503050406030204" pitchFamily="18" charset="0"/>
-                            </a:rPr>
-                            <m:t>|</m:t>
-                          </m:r>
-                          <m:acc>
-                            <m:accPr>
-                              <m:chr m:val="̂"/>
-                              <m:ctrlPr>
-                                <a:rPr lang="en-US" sz="1600" b="0" i="1" smtClean="0">
-                                  <a:latin typeface="Cambria Math" panose="02040503050406030204" pitchFamily="18" charset="0"/>
-                                </a:rPr>
-                              </m:ctrlPr>
-                            </m:accPr>
-                            <m:e>
-                              <m:r>
-                                <a:rPr lang="en-US" sz="1600" b="0" i="1" smtClean="0">
-                                  <a:latin typeface="Cambria Math" panose="02040503050406030204" pitchFamily="18" charset="0"/>
-                                </a:rPr>
-                                <m:t>𝑦</m:t>
-                              </m:r>
-                            </m:e>
-                          </m:acc>
-                        </m:e>
-                      </m:d>
                     </m:oMath>
                   </m:oMathPara>
                 </a14:m>
@@ -7928,8 +7862,8 @@
             </p:nvSpPr>
             <p:spPr>
               <a:xfrm>
-                <a:off x="10397897" y="2725092"/>
-                <a:ext cx="1794103" cy="338554"/>
+                <a:off x="10092295" y="2929040"/>
+                <a:ext cx="622170" cy="338554"/>
               </a:xfrm>
               <a:prstGeom prst="rect">
                 <a:avLst/>
@@ -7937,7 +7871,7 @@
               <a:blipFill>
                 <a:blip r:embed="rId2"/>
                 <a:stretch>
-                  <a:fillRect b="-7407"/>
+                  <a:fillRect/>
                 </a:stretch>
               </a:blipFill>
             </p:spPr>
@@ -7972,8 +7906,8 @@
             </p:nvSpPr>
             <p:spPr>
               <a:xfrm>
-                <a:off x="4622419" y="2897449"/>
-                <a:ext cx="2149403" cy="338554"/>
+                <a:off x="4534054" y="2858625"/>
+                <a:ext cx="2132692" cy="338554"/>
               </a:xfrm>
               <a:prstGeom prst="rect">
                 <a:avLst/>
@@ -7986,81 +7920,22 @@
               </a:bodyPr>
               <a:lstStyle/>
               <a:p>
+                <a:pPr/>
                 <a14:m>
                   <m:oMathPara xmlns:m="http://schemas.openxmlformats.org/officeDocument/2006/math">
                     <m:oMathParaPr>
                       <m:jc m:val="centerGroup"/>
                     </m:oMathParaPr>
                     <m:oMath xmlns:m="http://schemas.openxmlformats.org/officeDocument/2006/math">
-                      <m:sSub>
-                        <m:sSubPr>
+                      <m:acc>
+                        <m:accPr>
+                          <m:chr m:val="̂"/>
                           <m:ctrlPr>
                             <a:rPr lang="en-US" sz="1600" b="0" i="1" smtClean="0">
                               <a:latin typeface="Cambria Math" panose="02040503050406030204" pitchFamily="18" charset="0"/>
                             </a:rPr>
                           </m:ctrlPr>
-                        </m:sSubPr>
-                        <m:e>
-                          <m:acc>
-                            <m:accPr>
-                              <m:chr m:val="̂"/>
-                              <m:ctrlPr>
-                                <a:rPr lang="en-US" sz="1600" b="0" i="1" smtClean="0">
-                                  <a:latin typeface="Cambria Math" panose="02040503050406030204" pitchFamily="18" charset="0"/>
-                                </a:rPr>
-                              </m:ctrlPr>
-                            </m:accPr>
-                            <m:e>
-                              <m:r>
-                                <a:rPr lang="en-US" sz="1600" b="0" i="1" smtClean="0">
-                                  <a:latin typeface="Cambria Math" panose="02040503050406030204" pitchFamily="18" charset="0"/>
-                                </a:rPr>
-                                <m:t>𝑦</m:t>
-                              </m:r>
-                            </m:e>
-                          </m:acc>
-                        </m:e>
-                        <m:sub>
-                          <m:r>
-                            <a:rPr lang="en-US" sz="1600" b="0" i="1" smtClean="0">
-                              <a:latin typeface="Cambria Math" panose="02040503050406030204" pitchFamily="18" charset="0"/>
-                            </a:rPr>
-                            <m:t>&gt;50</m:t>
-                          </m:r>
-                          <m:r>
-                            <a:rPr lang="en-US" sz="1600" b="0" i="1" smtClean="0">
-                              <a:latin typeface="Cambria Math" panose="02040503050406030204" pitchFamily="18" charset="0"/>
-                            </a:rPr>
-                            <m:t>𝐾</m:t>
-                          </m:r>
-                        </m:sub>
-                      </m:sSub>
-                      <m:r>
-                        <a:rPr lang="en-US" sz="1600" b="0" i="1" smtClean="0">
-                          <a:latin typeface="Cambria Math" panose="02040503050406030204" pitchFamily="18" charset="0"/>
-                        </a:rPr>
-                        <m:t>=</m:t>
-                      </m:r>
-                      <m:r>
-                        <a:rPr lang="en-US" sz="1600" b="0" i="1" smtClean="0">
-                          <a:latin typeface="Cambria Math" panose="02040503050406030204" pitchFamily="18" charset="0"/>
-                        </a:rPr>
-                        <m:t>𝑝</m:t>
-                      </m:r>
-                      <m:r>
-                        <a:rPr lang="en-US" sz="1600" b="0" i="1" smtClean="0">
-                          <a:latin typeface="Cambria Math" panose="02040503050406030204" pitchFamily="18" charset="0"/>
-                        </a:rPr>
-                        <m:t>(</m:t>
-                      </m:r>
-                      <m:sSub>
-                        <m:sSubPr>
-                          <m:ctrlPr>
-                            <a:rPr lang="en-US" sz="1600" b="0" i="1" smtClean="0">
-                              <a:latin typeface="Cambria Math" panose="02040503050406030204" pitchFamily="18" charset="0"/>
-                            </a:rPr>
-                          </m:ctrlPr>
-                        </m:sSubPr>
+                        </m:accPr>
                         <m:e>
                           <m:r>
                             <a:rPr lang="en-US" sz="1600" b="0" i="1" smtClean="0">
@@ -8069,39 +7944,7 @@
                             <m:t>𝑦</m:t>
                           </m:r>
                         </m:e>
-                        <m:sub>
-                          <m:r>
-                            <a:rPr lang="en-US" sz="1600" b="0" i="1" smtClean="0">
-                              <a:latin typeface="Cambria Math" panose="02040503050406030204" pitchFamily="18" charset="0"/>
-                            </a:rPr>
-                            <m:t>&gt;50</m:t>
-                          </m:r>
-                          <m:r>
-                            <a:rPr lang="en-US" sz="1600" b="0" i="1" smtClean="0">
-                              <a:latin typeface="Cambria Math" panose="02040503050406030204" pitchFamily="18" charset="0"/>
-                            </a:rPr>
-                            <m:t>𝐾</m:t>
-                          </m:r>
-                        </m:sub>
-                      </m:sSub>
-                      <m:r>
-                        <a:rPr lang="en-US" sz="1600" b="0" i="1" smtClean="0">
-                          <a:latin typeface="Cambria Math" panose="02040503050406030204" pitchFamily="18" charset="0"/>
-                        </a:rPr>
-                        <m:t>|</m:t>
-                      </m:r>
-                      <m:r>
-                        <a:rPr lang="en-US" sz="1600" b="0" i="1" smtClean="0">
-                          <a:latin typeface="Cambria Math" panose="02040503050406030204" pitchFamily="18" charset="0"/>
-                        </a:rPr>
-                        <m:t>𝑋</m:t>
-                      </m:r>
-                      <m:r>
-                        <a:rPr lang="en-US" sz="1600" b="0" i="1" smtClean="0">
-                          <a:latin typeface="Cambria Math" panose="02040503050406030204" pitchFamily="18" charset="0"/>
-                        </a:rPr>
-                        <m:t>)</m:t>
-                      </m:r>
+                      </m:acc>
                     </m:oMath>
                   </m:oMathPara>
                 </a14:m>
@@ -8129,8 +7972,8 @@
             </p:nvSpPr>
             <p:spPr>
               <a:xfrm>
-                <a:off x="4622419" y="2897449"/>
-                <a:ext cx="2149403" cy="338554"/>
+                <a:off x="4534054" y="2858625"/>
+                <a:ext cx="2132692" cy="338554"/>
               </a:xfrm>
               <a:prstGeom prst="rect">
                 <a:avLst/>
@@ -8138,7 +7981,7 @@
               <a:blipFill>
                 <a:blip r:embed="rId3"/>
                 <a:stretch>
-                  <a:fillRect b="-11111"/>
+                  <a:fillRect/>
                 </a:stretch>
               </a:blipFill>
             </p:spPr>
@@ -8171,54 +8014,7 @@
         </p:nvSpPr>
         <p:spPr>
           <a:xfrm rot="10800000">
-            <a:off x="11218396" y="3041455"/>
-            <a:ext cx="135936" cy="135936"/>
-          </a:xfrm>
-          <a:prstGeom prst="ellipse">
-            <a:avLst/>
-          </a:prstGeom>
-          <a:ln>
-            <a:tailEnd type="none"/>
-          </a:ln>
-        </p:spPr>
-        <p:style>
-          <a:lnRef idx="2">
-            <a:schemeClr val="dk1"/>
-          </a:lnRef>
-          <a:fillRef idx="1">
-            <a:schemeClr val="lt1"/>
-          </a:fillRef>
-          <a:effectRef idx="0">
-            <a:schemeClr val="dk1"/>
-          </a:effectRef>
-          <a:fontRef idx="minor">
-            <a:schemeClr val="dk1"/>
-          </a:fontRef>
-        </p:style>
-        <p:txBody>
-          <a:bodyPr rtlCol="0" anchor="ctr"/>
-          <a:lstStyle/>
-          <a:p>
-            <a:pPr algn="ctr"/>
-            <a:endParaRPr lang="en-US" sz="1600"/>
-          </a:p>
-        </p:txBody>
-      </p:sp>
-      <p:sp>
-        <p:nvSpPr>
-          <p:cNvPr id="192" name="Oval 191">
-            <a:extLst>
-              <a:ext uri="{FF2B5EF4-FFF2-40B4-BE49-F238E27FC236}">
-                <a16:creationId xmlns:a16="http://schemas.microsoft.com/office/drawing/2014/main" id="{7EB41B61-6B19-5246-B976-3E14638E8BBD}"/>
-              </a:ext>
-            </a:extLst>
-          </p:cNvPr>
-          <p:cNvSpPr/>
-          <p:nvPr/>
-        </p:nvSpPr>
-        <p:spPr>
-          <a:xfrm rot="10800000">
-            <a:off x="11210370" y="3621335"/>
+            <a:off x="9945760" y="3032028"/>
             <a:ext cx="135936" cy="135936"/>
           </a:xfrm>
           <a:prstGeom prst="ellipse">
@@ -8269,8 +8065,8 @@
         </p:nvCxnSpPr>
         <p:spPr>
           <a:xfrm flipV="1">
-            <a:off x="10183864" y="3109423"/>
-            <a:ext cx="1034532" cy="3474"/>
+            <a:off x="9429704" y="3099996"/>
+            <a:ext cx="516056" cy="3474"/>
           </a:xfrm>
           <a:prstGeom prst="straightConnector1">
             <a:avLst/>
@@ -8312,8 +8108,8 @@
         </p:nvCxnSpPr>
         <p:spPr>
           <a:xfrm flipV="1">
-            <a:off x="10183865" y="3689303"/>
-            <a:ext cx="1026505" cy="1671"/>
+            <a:off x="9429705" y="3679876"/>
+            <a:ext cx="508029" cy="1671"/>
           </a:xfrm>
           <a:prstGeom prst="straightConnector1">
             <a:avLst/>
@@ -8351,7 +8147,7 @@
         </p:nvSpPr>
         <p:spPr>
           <a:xfrm rot="10800000">
-            <a:off x="551148" y="3219434"/>
+            <a:off x="1022075" y="3209375"/>
             <a:ext cx="135936" cy="135936"/>
           </a:xfrm>
           <a:prstGeom prst="ellipse">
@@ -8401,9 +8197,9 @@
           <p:nvPr/>
         </p:nvCxnSpPr>
         <p:spPr>
-          <a:xfrm flipV="1">
-            <a:off x="687084" y="3281423"/>
-            <a:ext cx="305441" cy="5979"/>
+          <a:xfrm>
+            <a:off x="1158011" y="3277343"/>
+            <a:ext cx="353002" cy="4080"/>
           </a:xfrm>
           <a:prstGeom prst="straightConnector1">
             <a:avLst/>
@@ -8441,7 +8237,7 @@
         </p:nvSpPr>
         <p:spPr>
           <a:xfrm rot="10800000">
-            <a:off x="5619488" y="3219434"/>
+            <a:off x="5525218" y="3219434"/>
             <a:ext cx="135936" cy="135936"/>
           </a:xfrm>
           <a:prstGeom prst="ellipse">
@@ -8491,9 +8287,9 @@
           <p:nvPr/>
         </p:nvCxnSpPr>
         <p:spPr>
-          <a:xfrm flipV="1">
-            <a:off x="5755424" y="3280864"/>
-            <a:ext cx="889311" cy="6538"/>
+          <a:xfrm>
+            <a:off x="5661154" y="3287402"/>
+            <a:ext cx="245226" cy="2889"/>
           </a:xfrm>
           <a:prstGeom prst="straightConnector1">
             <a:avLst/>
@@ -8533,8 +8329,8 @@
             </p:nvSpPr>
             <p:spPr>
               <a:xfrm>
-                <a:off x="300891" y="2915170"/>
-                <a:ext cx="641593" cy="338554"/>
+                <a:off x="532871" y="3105027"/>
+                <a:ext cx="502839" cy="338554"/>
               </a:xfrm>
               <a:prstGeom prst="rect">
                 <a:avLst/>
@@ -8551,7 +8347,7 @@
                 <a14:m>
                   <m:oMathPara xmlns:m="http://schemas.openxmlformats.org/officeDocument/2006/math">
                     <m:oMathParaPr>
-                      <m:jc m:val="center"/>
+                      <m:jc m:val="right"/>
                     </m:oMathParaPr>
                     <m:oMath xmlns:m="http://schemas.openxmlformats.org/officeDocument/2006/math">
                       <m:r>
@@ -8587,8 +8383,8 @@
             </p:nvSpPr>
             <p:spPr>
               <a:xfrm>
-                <a:off x="300891" y="2915170"/>
-                <a:ext cx="641593" cy="338554"/>
+                <a:off x="532871" y="3105027"/>
+                <a:ext cx="502839" cy="338554"/>
               </a:xfrm>
               <a:prstGeom prst="rect">
                 <a:avLst/>
@@ -8619,10 +8415,10 @@
         <mc:Choice xmlns:a14="http://schemas.microsoft.com/office/drawing/2010/main" Requires="a14">
           <p:sp>
             <p:nvSpPr>
-              <p:cNvPr id="214" name="TextBox 213">
+              <p:cNvPr id="121" name="TextBox 120">
                 <a:extLst>
                   <a:ext uri="{FF2B5EF4-FFF2-40B4-BE49-F238E27FC236}">
-                    <a16:creationId xmlns:a16="http://schemas.microsoft.com/office/drawing/2014/main" id="{2E87D93B-9DF8-EB41-88FC-CB744F8A0A1D}"/>
+                    <a16:creationId xmlns:a16="http://schemas.microsoft.com/office/drawing/2014/main" id="{FECBB4CE-3091-B742-A67B-BA4E56314FD5}"/>
                   </a:ext>
                 </a:extLst>
               </p:cNvPr>
@@ -8631,8 +8427,8 @@
             </p:nvSpPr>
             <p:spPr>
               <a:xfrm>
-                <a:off x="10397897" y="3310559"/>
-                <a:ext cx="1794103" cy="338554"/>
+                <a:off x="10088130" y="3507238"/>
+                <a:ext cx="622170" cy="338554"/>
               </a:xfrm>
               <a:prstGeom prst="rect">
                 <a:avLst/>
@@ -8645,10 +8441,11 @@
               </a:bodyPr>
               <a:lstStyle/>
               <a:p>
+                <a:pPr/>
                 <a14:m>
                   <m:oMathPara xmlns:m="http://schemas.openxmlformats.org/officeDocument/2006/math">
                     <m:oMathParaPr>
-                      <m:jc m:val="centerGroup"/>
+                      <m:jc m:val="left"/>
                     </m:oMathParaPr>
                     <m:oMath xmlns:m="http://schemas.openxmlformats.org/officeDocument/2006/math">
                       <m:sSub>
@@ -8688,78 +8485,6 @@
                           </m:r>
                         </m:sub>
                       </m:sSub>
-                      <m:r>
-                        <a:rPr lang="en-US" sz="1600" b="0" i="1" smtClean="0">
-                          <a:latin typeface="Cambria Math" panose="02040503050406030204" pitchFamily="18" charset="0"/>
-                        </a:rPr>
-                        <m:t>=</m:t>
-                      </m:r>
-                      <m:r>
-                        <a:rPr lang="en-US" sz="1600" b="0" i="1" smtClean="0">
-                          <a:latin typeface="Cambria Math" panose="02040503050406030204" pitchFamily="18" charset="0"/>
-                        </a:rPr>
-                        <m:t>𝑝</m:t>
-                      </m:r>
-                      <m:d>
-                        <m:dPr>
-                          <m:ctrlPr>
-                            <a:rPr lang="en-US" sz="1600" b="0" i="1" smtClean="0">
-                              <a:latin typeface="Cambria Math" panose="02040503050406030204" pitchFamily="18" charset="0"/>
-                            </a:rPr>
-                          </m:ctrlPr>
-                        </m:dPr>
-                        <m:e>
-                          <m:sSub>
-                            <m:sSubPr>
-                              <m:ctrlPr>
-                                <a:rPr lang="en-US" sz="1600" b="0" i="1" smtClean="0">
-                                  <a:latin typeface="Cambria Math" panose="02040503050406030204" pitchFamily="18" charset="0"/>
-                                </a:rPr>
-                              </m:ctrlPr>
-                            </m:sSubPr>
-                            <m:e>
-                              <m:r>
-                                <a:rPr lang="en-US" sz="1600" b="0" i="1" smtClean="0">
-                                  <a:latin typeface="Cambria Math" panose="02040503050406030204" pitchFamily="18" charset="0"/>
-                                </a:rPr>
-                                <m:t>𝑧</m:t>
-                              </m:r>
-                            </m:e>
-                            <m:sub>
-                              <m:r>
-                                <a:rPr lang="en-US" sz="1600" b="0" i="1" smtClean="0">
-                                  <a:latin typeface="Cambria Math" panose="02040503050406030204" pitchFamily="18" charset="0"/>
-                                </a:rPr>
-                                <m:t>𝑠𝑒𝑥</m:t>
-                              </m:r>
-                            </m:sub>
-                          </m:sSub>
-                          <m:r>
-                            <a:rPr lang="en-US" sz="1600" b="0" i="1" smtClean="0">
-                              <a:latin typeface="Cambria Math" panose="02040503050406030204" pitchFamily="18" charset="0"/>
-                            </a:rPr>
-                            <m:t>|</m:t>
-                          </m:r>
-                          <m:acc>
-                            <m:accPr>
-                              <m:chr m:val="̂"/>
-                              <m:ctrlPr>
-                                <a:rPr lang="en-US" sz="1600" b="0" i="1" smtClean="0">
-                                  <a:latin typeface="Cambria Math" panose="02040503050406030204" pitchFamily="18" charset="0"/>
-                                </a:rPr>
-                              </m:ctrlPr>
-                            </m:accPr>
-                            <m:e>
-                              <m:r>
-                                <a:rPr lang="en-US" sz="1600" b="0" i="1" smtClean="0">
-                                  <a:latin typeface="Cambria Math" panose="02040503050406030204" pitchFamily="18" charset="0"/>
-                                </a:rPr>
-                                <m:t>𝑦</m:t>
-                              </m:r>
-                            </m:e>
-                          </m:acc>
-                        </m:e>
-                      </m:d>
                     </m:oMath>
                   </m:oMathPara>
                 </a14:m>
@@ -8773,10 +8498,10 @@
         <mc:Fallback>
           <p:sp>
             <p:nvSpPr>
-              <p:cNvPr id="214" name="TextBox 213">
+              <p:cNvPr id="121" name="TextBox 120">
                 <a:extLst>
                   <a:ext uri="{FF2B5EF4-FFF2-40B4-BE49-F238E27FC236}">
-                    <a16:creationId xmlns:a16="http://schemas.microsoft.com/office/drawing/2014/main" id="{2E87D93B-9DF8-EB41-88FC-CB744F8A0A1D}"/>
+                    <a16:creationId xmlns:a16="http://schemas.microsoft.com/office/drawing/2014/main" id="{FECBB4CE-3091-B742-A67B-BA4E56314FD5}"/>
                   </a:ext>
                 </a:extLst>
               </p:cNvPr>
@@ -8787,8 +8512,8 @@
             </p:nvSpPr>
             <p:spPr>
               <a:xfrm>
-                <a:off x="10397897" y="3310559"/>
-                <a:ext cx="1794103" cy="338554"/>
+                <a:off x="10088130" y="3507238"/>
+                <a:ext cx="622170" cy="338554"/>
               </a:xfrm>
               <a:prstGeom prst="rect">
                 <a:avLst/>
@@ -8796,7 +8521,7 @@
               <a:blipFill>
                 <a:blip r:embed="rId5"/>
                 <a:stretch>
-                  <a:fillRect b="-7407"/>
+                  <a:fillRect/>
                 </a:stretch>
               </a:blipFill>
             </p:spPr>
@@ -8815,6 +8540,743 @@
           </p:sp>
         </mc:Fallback>
       </mc:AlternateContent>
+      <mc:AlternateContent xmlns:mc="http://schemas.openxmlformats.org/markup-compatibility/2006">
+        <mc:Choice xmlns:a14="http://schemas.microsoft.com/office/drawing/2010/main" Requires="a14">
+          <p:sp>
+            <p:nvSpPr>
+              <p:cNvPr id="122" name="TextBox 121">
+                <a:extLst>
+                  <a:ext uri="{FF2B5EF4-FFF2-40B4-BE49-F238E27FC236}">
+                    <a16:creationId xmlns:a16="http://schemas.microsoft.com/office/drawing/2014/main" id="{9D069AA8-00A5-4C49-9733-8A9BFC34FB2F}"/>
+                  </a:ext>
+                </a:extLst>
+              </p:cNvPr>
+              <p:cNvSpPr txBox="1"/>
+              <p:nvPr/>
+            </p:nvSpPr>
+            <p:spPr>
+              <a:xfrm>
+                <a:off x="4622436" y="1893780"/>
+                <a:ext cx="641593" cy="358303"/>
+              </a:xfrm>
+              <a:prstGeom prst="rect">
+                <a:avLst/>
+              </a:prstGeom>
+              <a:noFill/>
+            </p:spPr>
+            <p:txBody>
+              <a:bodyPr wrap="square" rtlCol="0">
+                <a:spAutoFit/>
+              </a:bodyPr>
+              <a:lstStyle/>
+              <a:p>
+                <a:pPr algn="ctr"/>
+                <a14:m>
+                  <m:oMathPara xmlns:m="http://schemas.openxmlformats.org/officeDocument/2006/math">
+                    <m:oMathParaPr>
+                      <m:jc m:val="center"/>
+                    </m:oMathParaPr>
+                    <m:oMath xmlns:m="http://schemas.openxmlformats.org/officeDocument/2006/math">
+                      <m:sSub>
+                        <m:sSubPr>
+                          <m:ctrlPr>
+                            <a:rPr lang="en-US" sz="1600" b="0" i="1" smtClean="0">
+                              <a:latin typeface="Cambria Math" panose="02040503050406030204" pitchFamily="18" charset="0"/>
+                              <a:ea typeface="Cambria Math" panose="02040503050406030204" pitchFamily="18" charset="0"/>
+                            </a:rPr>
+                          </m:ctrlPr>
+                        </m:sSubPr>
+                        <m:e>
+                          <m:r>
+                            <a:rPr lang="en-US" sz="1600" b="0" i="1" smtClean="0">
+                              <a:latin typeface="Cambria Math" panose="02040503050406030204" pitchFamily="18" charset="0"/>
+                              <a:ea typeface="Cambria Math" panose="02040503050406030204" pitchFamily="18" charset="0"/>
+                            </a:rPr>
+                            <m:t>𝜃</m:t>
+                          </m:r>
+                        </m:e>
+                        <m:sub>
+                          <m:r>
+                            <a:rPr lang="en-US" sz="1600" b="0" i="1" smtClean="0">
+                              <a:latin typeface="Cambria Math" panose="02040503050406030204" pitchFamily="18" charset="0"/>
+                              <a:ea typeface="Cambria Math" panose="02040503050406030204" pitchFamily="18" charset="0"/>
+                            </a:rPr>
+                            <m:t>𝑐𝑙𝑓</m:t>
+                          </m:r>
+                        </m:sub>
+                      </m:sSub>
+                    </m:oMath>
+                  </m:oMathPara>
+                </a14:m>
+                <a:endParaRPr lang="en-US" sz="1600" dirty="0">
+                  <a:latin typeface="Helvetica" pitchFamily="2" charset="0"/>
+                </a:endParaRPr>
+              </a:p>
+            </p:txBody>
+          </p:sp>
+        </mc:Choice>
+        <mc:Fallback>
+          <p:sp>
+            <p:nvSpPr>
+              <p:cNvPr id="122" name="TextBox 121">
+                <a:extLst>
+                  <a:ext uri="{FF2B5EF4-FFF2-40B4-BE49-F238E27FC236}">
+                    <a16:creationId xmlns:a16="http://schemas.microsoft.com/office/drawing/2014/main" id="{9D069AA8-00A5-4C49-9733-8A9BFC34FB2F}"/>
+                  </a:ext>
+                </a:extLst>
+              </p:cNvPr>
+              <p:cNvSpPr txBox="1">
+                <a:spLocks noRot="1" noChangeAspect="1" noMove="1" noResize="1" noEditPoints="1" noAdjustHandles="1" noChangeArrowheads="1" noChangeShapeType="1" noTextEdit="1"/>
+              </p:cNvSpPr>
+              <p:nvPr/>
+            </p:nvSpPr>
+            <p:spPr>
+              <a:xfrm>
+                <a:off x="4622436" y="1893780"/>
+                <a:ext cx="641593" cy="358303"/>
+              </a:xfrm>
+              <a:prstGeom prst="rect">
+                <a:avLst/>
+              </a:prstGeom>
+              <a:blipFill>
+                <a:blip r:embed="rId6"/>
+                <a:stretch>
+                  <a:fillRect b="-3448"/>
+                </a:stretch>
+              </a:blipFill>
+            </p:spPr>
+            <p:txBody>
+              <a:bodyPr/>
+              <a:lstStyle/>
+              <a:p>
+                <a:r>
+                  <a:rPr lang="en-US">
+                    <a:noFill/>
+                  </a:rPr>
+                  <a:t> </a:t>
+                </a:r>
+              </a:p>
+            </p:txBody>
+          </p:sp>
+        </mc:Fallback>
+      </mc:AlternateContent>
+      <mc:AlternateContent xmlns:mc="http://schemas.openxmlformats.org/markup-compatibility/2006">
+        <mc:Choice xmlns:a14="http://schemas.microsoft.com/office/drawing/2010/main" Requires="a14">
+          <p:sp>
+            <p:nvSpPr>
+              <p:cNvPr id="123" name="TextBox 122">
+                <a:extLst>
+                  <a:ext uri="{FF2B5EF4-FFF2-40B4-BE49-F238E27FC236}">
+                    <a16:creationId xmlns:a16="http://schemas.microsoft.com/office/drawing/2014/main" id="{A8FD322F-B20A-6749-8CF6-3A10BE21B235}"/>
+                  </a:ext>
+                </a:extLst>
+              </p:cNvPr>
+              <p:cNvSpPr txBox="1"/>
+              <p:nvPr/>
+            </p:nvSpPr>
+            <p:spPr>
+              <a:xfrm>
+                <a:off x="8867684" y="1905471"/>
+                <a:ext cx="641593" cy="338554"/>
+              </a:xfrm>
+              <a:prstGeom prst="rect">
+                <a:avLst/>
+              </a:prstGeom>
+              <a:noFill/>
+            </p:spPr>
+            <p:txBody>
+              <a:bodyPr wrap="square" rtlCol="0">
+                <a:spAutoFit/>
+              </a:bodyPr>
+              <a:lstStyle/>
+              <a:p>
+                <a:pPr algn="ctr"/>
+                <a14:m>
+                  <m:oMathPara xmlns:m="http://schemas.openxmlformats.org/officeDocument/2006/math">
+                    <m:oMathParaPr>
+                      <m:jc m:val="center"/>
+                    </m:oMathParaPr>
+                    <m:oMath xmlns:m="http://schemas.openxmlformats.org/officeDocument/2006/math">
+                      <m:sSub>
+                        <m:sSubPr>
+                          <m:ctrlPr>
+                            <a:rPr lang="en-US" sz="1600" b="0" i="1" smtClean="0">
+                              <a:latin typeface="Cambria Math" panose="02040503050406030204" pitchFamily="18" charset="0"/>
+                              <a:ea typeface="Cambria Math" panose="02040503050406030204" pitchFamily="18" charset="0"/>
+                            </a:rPr>
+                          </m:ctrlPr>
+                        </m:sSubPr>
+                        <m:e>
+                          <m:r>
+                            <a:rPr lang="en-US" sz="1600" b="0" i="1" smtClean="0">
+                              <a:latin typeface="Cambria Math" panose="02040503050406030204" pitchFamily="18" charset="0"/>
+                              <a:ea typeface="Cambria Math" panose="02040503050406030204" pitchFamily="18" charset="0"/>
+                            </a:rPr>
+                            <m:t>𝜃</m:t>
+                          </m:r>
+                        </m:e>
+                        <m:sub>
+                          <m:r>
+                            <a:rPr lang="en-US" sz="1600" b="0" i="1" smtClean="0">
+                              <a:latin typeface="Cambria Math" panose="02040503050406030204" pitchFamily="18" charset="0"/>
+                              <a:ea typeface="Cambria Math" panose="02040503050406030204" pitchFamily="18" charset="0"/>
+                            </a:rPr>
+                            <m:t>𝑎𝑑𝑣</m:t>
+                          </m:r>
+                        </m:sub>
+                      </m:sSub>
+                    </m:oMath>
+                  </m:oMathPara>
+                </a14:m>
+                <a:endParaRPr lang="en-US" sz="1600" dirty="0">
+                  <a:latin typeface="Helvetica" pitchFamily="2" charset="0"/>
+                </a:endParaRPr>
+              </a:p>
+            </p:txBody>
+          </p:sp>
+        </mc:Choice>
+        <mc:Fallback>
+          <p:sp>
+            <p:nvSpPr>
+              <p:cNvPr id="123" name="TextBox 122">
+                <a:extLst>
+                  <a:ext uri="{FF2B5EF4-FFF2-40B4-BE49-F238E27FC236}">
+                    <a16:creationId xmlns:a16="http://schemas.microsoft.com/office/drawing/2014/main" id="{A8FD322F-B20A-6749-8CF6-3A10BE21B235}"/>
+                  </a:ext>
+                </a:extLst>
+              </p:cNvPr>
+              <p:cNvSpPr txBox="1">
+                <a:spLocks noRot="1" noChangeAspect="1" noMove="1" noResize="1" noEditPoints="1" noAdjustHandles="1" noChangeArrowheads="1" noChangeShapeType="1" noTextEdit="1"/>
+              </p:cNvSpPr>
+              <p:nvPr/>
+            </p:nvSpPr>
+            <p:spPr>
+              <a:xfrm>
+                <a:off x="8867684" y="1905471"/>
+                <a:ext cx="641593" cy="338554"/>
+              </a:xfrm>
+              <a:prstGeom prst="rect">
+                <a:avLst/>
+              </a:prstGeom>
+              <a:blipFill>
+                <a:blip r:embed="rId7"/>
+                <a:stretch>
+                  <a:fillRect/>
+                </a:stretch>
+              </a:blipFill>
+            </p:spPr>
+            <p:txBody>
+              <a:bodyPr/>
+              <a:lstStyle/>
+              <a:p>
+                <a:r>
+                  <a:rPr lang="en-US">
+                    <a:noFill/>
+                  </a:rPr>
+                  <a:t> </a:t>
+                </a:r>
+              </a:p>
+            </p:txBody>
+          </p:sp>
+        </mc:Fallback>
+      </mc:AlternateContent>
+      <mc:AlternateContent xmlns:mc="http://schemas.openxmlformats.org/markup-compatibility/2006">
+        <mc:Choice xmlns:a14="http://schemas.microsoft.com/office/drawing/2010/main" Requires="a14">
+          <p:sp>
+            <p:nvSpPr>
+              <p:cNvPr id="129" name="TextBox 128">
+                <a:extLst>
+                  <a:ext uri="{FF2B5EF4-FFF2-40B4-BE49-F238E27FC236}">
+                    <a16:creationId xmlns:a16="http://schemas.microsoft.com/office/drawing/2014/main" id="{D118FC31-8130-7745-931E-784C8D7BD0B2}"/>
+                  </a:ext>
+                </a:extLst>
+              </p:cNvPr>
+              <p:cNvSpPr txBox="1"/>
+              <p:nvPr/>
+            </p:nvSpPr>
+            <p:spPr>
+              <a:xfrm>
+                <a:off x="5022666" y="5084920"/>
+                <a:ext cx="1141040" cy="358303"/>
+              </a:xfrm>
+              <a:prstGeom prst="rect">
+                <a:avLst/>
+              </a:prstGeom>
+              <a:noFill/>
+            </p:spPr>
+            <p:txBody>
+              <a:bodyPr wrap="square" rtlCol="0">
+                <a:spAutoFit/>
+              </a:bodyPr>
+              <a:lstStyle/>
+              <a:p>
+                <a:pPr algn="ctr"/>
+                <a14:m>
+                  <m:oMathPara xmlns:m="http://schemas.openxmlformats.org/officeDocument/2006/math">
+                    <m:oMathParaPr>
+                      <m:jc m:val="center"/>
+                    </m:oMathParaPr>
+                    <m:oMath xmlns:m="http://schemas.openxmlformats.org/officeDocument/2006/math">
+                      <m:sSub>
+                        <m:sSubPr>
+                          <m:ctrlPr>
+                            <a:rPr lang="en-US" sz="1600" b="0" i="1" smtClean="0">
+                              <a:latin typeface="Cambria Math" panose="02040503050406030204" pitchFamily="18" charset="0"/>
+                              <a:ea typeface="Cambria Math" panose="02040503050406030204" pitchFamily="18" charset="0"/>
+                            </a:rPr>
+                          </m:ctrlPr>
+                        </m:sSubPr>
+                        <m:e>
+                          <m:sSub>
+                            <m:sSubPr>
+                              <m:ctrlPr>
+                                <a:rPr lang="en-US" sz="1600" b="0" i="1" smtClean="0">
+                                  <a:latin typeface="Cambria Math" panose="02040503050406030204" pitchFamily="18" charset="0"/>
+                                  <a:ea typeface="Cambria Math" panose="02040503050406030204" pitchFamily="18" charset="0"/>
+                                </a:rPr>
+                              </m:ctrlPr>
+                            </m:sSubPr>
+                            <m:e>
+                              <m:r>
+                                <a:rPr lang="en-US" sz="1600" b="0" i="1" smtClean="0">
+                                  <a:latin typeface="Cambria Math" panose="02040503050406030204" pitchFamily="18" charset="0"/>
+                                  <a:ea typeface="Cambria Math" panose="02040503050406030204" pitchFamily="18" charset="0"/>
+                                </a:rPr>
+                                <m:t>𝐿𝑜𝑠𝑠</m:t>
+                              </m:r>
+                            </m:e>
+                            <m:sub>
+                              <m:r>
+                                <a:rPr lang="en-US" sz="1600" b="0" i="1" smtClean="0">
+                                  <a:latin typeface="Cambria Math" panose="02040503050406030204" pitchFamily="18" charset="0"/>
+                                  <a:ea typeface="Cambria Math" panose="02040503050406030204" pitchFamily="18" charset="0"/>
+                                </a:rPr>
+                                <m:t>𝑦</m:t>
+                              </m:r>
+                            </m:sub>
+                          </m:sSub>
+                          <m:r>
+                            <a:rPr lang="en-US" sz="1600" b="0" i="1" smtClean="0">
+                              <a:latin typeface="Cambria Math" panose="02040503050406030204" pitchFamily="18" charset="0"/>
+                              <a:ea typeface="Cambria Math" panose="02040503050406030204" pitchFamily="18" charset="0"/>
+                            </a:rPr>
+                            <m:t>(</m:t>
+                          </m:r>
+                          <m:r>
+                            <a:rPr lang="en-US" sz="1600" b="0" i="1" smtClean="0">
+                              <a:latin typeface="Cambria Math" panose="02040503050406030204" pitchFamily="18" charset="0"/>
+                              <a:ea typeface="Cambria Math" panose="02040503050406030204" pitchFamily="18" charset="0"/>
+                            </a:rPr>
+                            <m:t>𝜃</m:t>
+                          </m:r>
+                        </m:e>
+                        <m:sub>
+                          <m:r>
+                            <a:rPr lang="en-US" sz="1600" b="0" i="1" smtClean="0">
+                              <a:latin typeface="Cambria Math" panose="02040503050406030204" pitchFamily="18" charset="0"/>
+                              <a:ea typeface="Cambria Math" panose="02040503050406030204" pitchFamily="18" charset="0"/>
+                            </a:rPr>
+                            <m:t>𝑐𝑙𝑓</m:t>
+                          </m:r>
+                        </m:sub>
+                      </m:sSub>
+                      <m:r>
+                        <a:rPr lang="en-US" sz="1600" b="0" i="1" smtClean="0">
+                          <a:latin typeface="Cambria Math" panose="02040503050406030204" pitchFamily="18" charset="0"/>
+                          <a:ea typeface="Cambria Math" panose="02040503050406030204" pitchFamily="18" charset="0"/>
+                        </a:rPr>
+                        <m:t>)</m:t>
+                      </m:r>
+                    </m:oMath>
+                  </m:oMathPara>
+                </a14:m>
+                <a:endParaRPr lang="en-US" sz="1600" dirty="0">
+                  <a:latin typeface="Helvetica" pitchFamily="2" charset="0"/>
+                </a:endParaRPr>
+              </a:p>
+            </p:txBody>
+          </p:sp>
+        </mc:Choice>
+        <mc:Fallback>
+          <p:sp>
+            <p:nvSpPr>
+              <p:cNvPr id="129" name="TextBox 128">
+                <a:extLst>
+                  <a:ext uri="{FF2B5EF4-FFF2-40B4-BE49-F238E27FC236}">
+                    <a16:creationId xmlns:a16="http://schemas.microsoft.com/office/drawing/2014/main" id="{D118FC31-8130-7745-931E-784C8D7BD0B2}"/>
+                  </a:ext>
+                </a:extLst>
+              </p:cNvPr>
+              <p:cNvSpPr txBox="1">
+                <a:spLocks noRot="1" noChangeAspect="1" noMove="1" noResize="1" noEditPoints="1" noAdjustHandles="1" noChangeArrowheads="1" noChangeShapeType="1" noTextEdit="1"/>
+              </p:cNvSpPr>
+              <p:nvPr/>
+            </p:nvSpPr>
+            <p:spPr>
+              <a:xfrm>
+                <a:off x="5022666" y="5084920"/>
+                <a:ext cx="1141040" cy="358303"/>
+              </a:xfrm>
+              <a:prstGeom prst="rect">
+                <a:avLst/>
+              </a:prstGeom>
+              <a:blipFill>
+                <a:blip r:embed="rId8"/>
+                <a:stretch>
+                  <a:fillRect l="-1099" b="-3333"/>
+                </a:stretch>
+              </a:blipFill>
+            </p:spPr>
+            <p:txBody>
+              <a:bodyPr/>
+              <a:lstStyle/>
+              <a:p>
+                <a:r>
+                  <a:rPr lang="en-US">
+                    <a:noFill/>
+                  </a:rPr>
+                  <a:t> </a:t>
+                </a:r>
+              </a:p>
+            </p:txBody>
+          </p:sp>
+        </mc:Fallback>
+      </mc:AlternateContent>
+      <mc:AlternateContent xmlns:mc="http://schemas.openxmlformats.org/markup-compatibility/2006">
+        <mc:Choice xmlns:a14="http://schemas.microsoft.com/office/drawing/2010/main" Requires="a14">
+          <p:sp>
+            <p:nvSpPr>
+              <p:cNvPr id="130" name="TextBox 129">
+                <a:extLst>
+                  <a:ext uri="{FF2B5EF4-FFF2-40B4-BE49-F238E27FC236}">
+                    <a16:creationId xmlns:a16="http://schemas.microsoft.com/office/drawing/2014/main" id="{E43FBDB6-C856-654F-ADA0-7F4720197F2D}"/>
+                  </a:ext>
+                </a:extLst>
+              </p:cNvPr>
+              <p:cNvSpPr txBox="1"/>
+              <p:nvPr/>
+            </p:nvSpPr>
+            <p:spPr>
+              <a:xfrm>
+                <a:off x="9435182" y="5067234"/>
+                <a:ext cx="1141040" cy="358303"/>
+              </a:xfrm>
+              <a:prstGeom prst="rect">
+                <a:avLst/>
+              </a:prstGeom>
+              <a:noFill/>
+            </p:spPr>
+            <p:txBody>
+              <a:bodyPr wrap="square" rtlCol="0">
+                <a:spAutoFit/>
+              </a:bodyPr>
+              <a:lstStyle/>
+              <a:p>
+                <a:pPr algn="ctr"/>
+                <a14:m>
+                  <m:oMathPara xmlns:m="http://schemas.openxmlformats.org/officeDocument/2006/math">
+                    <m:oMathParaPr>
+                      <m:jc m:val="center"/>
+                    </m:oMathParaPr>
+                    <m:oMath xmlns:m="http://schemas.openxmlformats.org/officeDocument/2006/math">
+                      <m:sSub>
+                        <m:sSubPr>
+                          <m:ctrlPr>
+                            <a:rPr lang="en-US" sz="1600" b="0" i="1" smtClean="0">
+                              <a:latin typeface="Cambria Math" panose="02040503050406030204" pitchFamily="18" charset="0"/>
+                              <a:ea typeface="Cambria Math" panose="02040503050406030204" pitchFamily="18" charset="0"/>
+                            </a:rPr>
+                          </m:ctrlPr>
+                        </m:sSubPr>
+                        <m:e>
+                          <m:sSub>
+                            <m:sSubPr>
+                              <m:ctrlPr>
+                                <a:rPr lang="en-US" sz="1600" b="0" i="1" smtClean="0">
+                                  <a:latin typeface="Cambria Math" panose="02040503050406030204" pitchFamily="18" charset="0"/>
+                                  <a:ea typeface="Cambria Math" panose="02040503050406030204" pitchFamily="18" charset="0"/>
+                                </a:rPr>
+                              </m:ctrlPr>
+                            </m:sSubPr>
+                            <m:e>
+                              <m:r>
+                                <a:rPr lang="en-US" sz="1600" b="0" i="1" smtClean="0">
+                                  <a:latin typeface="Cambria Math" panose="02040503050406030204" pitchFamily="18" charset="0"/>
+                                  <a:ea typeface="Cambria Math" panose="02040503050406030204" pitchFamily="18" charset="0"/>
+                                </a:rPr>
+                                <m:t>𝐿𝑜𝑠𝑠</m:t>
+                              </m:r>
+                            </m:e>
+                            <m:sub>
+                              <m:r>
+                                <a:rPr lang="en-US" sz="1600" b="0" i="1" smtClean="0">
+                                  <a:latin typeface="Cambria Math" panose="02040503050406030204" pitchFamily="18" charset="0"/>
+                                  <a:ea typeface="Cambria Math" panose="02040503050406030204" pitchFamily="18" charset="0"/>
+                                </a:rPr>
+                                <m:t>𝑍</m:t>
+                              </m:r>
+                            </m:sub>
+                          </m:sSub>
+                          <m:r>
+                            <a:rPr lang="en-US" sz="1600" b="0" i="1" smtClean="0">
+                              <a:latin typeface="Cambria Math" panose="02040503050406030204" pitchFamily="18" charset="0"/>
+                              <a:ea typeface="Cambria Math" panose="02040503050406030204" pitchFamily="18" charset="0"/>
+                            </a:rPr>
+                            <m:t>(</m:t>
+                          </m:r>
+                          <m:r>
+                            <a:rPr lang="en-US" sz="1600" b="0" i="1" smtClean="0">
+                              <a:latin typeface="Cambria Math" panose="02040503050406030204" pitchFamily="18" charset="0"/>
+                              <a:ea typeface="Cambria Math" panose="02040503050406030204" pitchFamily="18" charset="0"/>
+                            </a:rPr>
+                            <m:t>𝜃</m:t>
+                          </m:r>
+                        </m:e>
+                        <m:sub>
+                          <m:r>
+                            <a:rPr lang="en-US" sz="1600" b="0" i="1" smtClean="0">
+                              <a:latin typeface="Cambria Math" panose="02040503050406030204" pitchFamily="18" charset="0"/>
+                              <a:ea typeface="Cambria Math" panose="02040503050406030204" pitchFamily="18" charset="0"/>
+                            </a:rPr>
+                            <m:t>𝑐𝑙𝑓</m:t>
+                          </m:r>
+                        </m:sub>
+                      </m:sSub>
+                      <m:r>
+                        <a:rPr lang="en-US" sz="1600" b="0" i="1" smtClean="0">
+                          <a:latin typeface="Cambria Math" panose="02040503050406030204" pitchFamily="18" charset="0"/>
+                          <a:ea typeface="Cambria Math" panose="02040503050406030204" pitchFamily="18" charset="0"/>
+                        </a:rPr>
+                        <m:t>,</m:t>
+                      </m:r>
+                      <m:sSub>
+                        <m:sSubPr>
+                          <m:ctrlPr>
+                            <a:rPr lang="en-US" sz="1600" i="1">
+                              <a:latin typeface="Cambria Math" panose="02040503050406030204" pitchFamily="18" charset="0"/>
+                              <a:ea typeface="Cambria Math" panose="02040503050406030204" pitchFamily="18" charset="0"/>
+                            </a:rPr>
+                          </m:ctrlPr>
+                        </m:sSubPr>
+                        <m:e>
+                          <m:r>
+                            <a:rPr lang="en-US" sz="1600" i="1">
+                              <a:latin typeface="Cambria Math" panose="02040503050406030204" pitchFamily="18" charset="0"/>
+                              <a:ea typeface="Cambria Math" panose="02040503050406030204" pitchFamily="18" charset="0"/>
+                            </a:rPr>
+                            <m:t>𝜃</m:t>
+                          </m:r>
+                        </m:e>
+                        <m:sub>
+                          <m:r>
+                            <a:rPr lang="en-US" sz="1600" i="1">
+                              <a:latin typeface="Cambria Math" panose="02040503050406030204" pitchFamily="18" charset="0"/>
+                              <a:ea typeface="Cambria Math" panose="02040503050406030204" pitchFamily="18" charset="0"/>
+                            </a:rPr>
+                            <m:t>𝑎𝑑𝑣</m:t>
+                          </m:r>
+                        </m:sub>
+                      </m:sSub>
+                      <m:r>
+                        <a:rPr lang="en-US" sz="1600" b="0" i="1" smtClean="0">
+                          <a:latin typeface="Cambria Math" panose="02040503050406030204" pitchFamily="18" charset="0"/>
+                          <a:ea typeface="Cambria Math" panose="02040503050406030204" pitchFamily="18" charset="0"/>
+                        </a:rPr>
+                        <m:t>)</m:t>
+                      </m:r>
+                    </m:oMath>
+                  </m:oMathPara>
+                </a14:m>
+                <a:endParaRPr lang="en-US" sz="1600" dirty="0">
+                  <a:latin typeface="Helvetica" pitchFamily="2" charset="0"/>
+                </a:endParaRPr>
+              </a:p>
+            </p:txBody>
+          </p:sp>
+        </mc:Choice>
+        <mc:Fallback>
+          <p:sp>
+            <p:nvSpPr>
+              <p:cNvPr id="130" name="TextBox 129">
+                <a:extLst>
+                  <a:ext uri="{FF2B5EF4-FFF2-40B4-BE49-F238E27FC236}">
+                    <a16:creationId xmlns:a16="http://schemas.microsoft.com/office/drawing/2014/main" id="{E43FBDB6-C856-654F-ADA0-7F4720197F2D}"/>
+                  </a:ext>
+                </a:extLst>
+              </p:cNvPr>
+              <p:cNvSpPr txBox="1">
+                <a:spLocks noRot="1" noChangeAspect="1" noMove="1" noResize="1" noEditPoints="1" noAdjustHandles="1" noChangeArrowheads="1" noChangeShapeType="1" noTextEdit="1"/>
+              </p:cNvSpPr>
+              <p:nvPr/>
+            </p:nvSpPr>
+            <p:spPr>
+              <a:xfrm>
+                <a:off x="9435182" y="5067234"/>
+                <a:ext cx="1141040" cy="358303"/>
+              </a:xfrm>
+              <a:prstGeom prst="rect">
+                <a:avLst/>
+              </a:prstGeom>
+              <a:blipFill>
+                <a:blip r:embed="rId9"/>
+                <a:stretch>
+                  <a:fillRect l="-23077" r="-19780" b="-6897"/>
+                </a:stretch>
+              </a:blipFill>
+            </p:spPr>
+            <p:txBody>
+              <a:bodyPr/>
+              <a:lstStyle/>
+              <a:p>
+                <a:r>
+                  <a:rPr lang="en-US">
+                    <a:noFill/>
+                  </a:rPr>
+                  <a:t> </a:t>
+                </a:r>
+              </a:p>
+            </p:txBody>
+          </p:sp>
+        </mc:Fallback>
+      </mc:AlternateContent>
+      <p:cxnSp>
+        <p:nvCxnSpPr>
+          <p:cNvPr id="24" name="Straight Connector 23">
+            <a:extLst>
+              <a:ext uri="{FF2B5EF4-FFF2-40B4-BE49-F238E27FC236}">
+                <a16:creationId xmlns:a16="http://schemas.microsoft.com/office/drawing/2014/main" id="{5E2A7D6C-3E69-A045-BB61-3F2309C021E0}"/>
+              </a:ext>
+            </a:extLst>
+          </p:cNvPr>
+          <p:cNvCxnSpPr>
+            <a:stCxn id="206" idx="0"/>
+            <a:endCxn id="129" idx="0"/>
+          </p:cNvCxnSpPr>
+          <p:nvPr/>
+        </p:nvCxnSpPr>
+        <p:spPr>
+          <a:xfrm>
+            <a:off x="5593186" y="3355370"/>
+            <a:ext cx="0" cy="1729550"/>
+          </a:xfrm>
+          <a:prstGeom prst="line">
+            <a:avLst/>
+          </a:prstGeom>
+          <a:ln>
+            <a:solidFill>
+              <a:schemeClr val="tx1"/>
+            </a:solidFill>
+            <a:prstDash val="dash"/>
+          </a:ln>
+        </p:spPr>
+        <p:style>
+          <a:lnRef idx="1">
+            <a:schemeClr val="accent1"/>
+          </a:lnRef>
+          <a:fillRef idx="0">
+            <a:schemeClr val="accent1"/>
+          </a:fillRef>
+          <a:effectRef idx="0">
+            <a:schemeClr val="accent1"/>
+          </a:effectRef>
+          <a:fontRef idx="minor">
+            <a:schemeClr val="tx1"/>
+          </a:fontRef>
+        </p:style>
+      </p:cxnSp>
+      <p:cxnSp>
+        <p:nvCxnSpPr>
+          <p:cNvPr id="131" name="Straight Connector 130">
+            <a:extLst>
+              <a:ext uri="{FF2B5EF4-FFF2-40B4-BE49-F238E27FC236}">
+                <a16:creationId xmlns:a16="http://schemas.microsoft.com/office/drawing/2014/main" id="{32A398A5-85FB-D849-8640-0D37AB7E1869}"/>
+              </a:ext>
+            </a:extLst>
+          </p:cNvPr>
+          <p:cNvCxnSpPr>
+            <a:cxnSpLocks/>
+            <a:stCxn id="191" idx="0"/>
+            <a:endCxn id="130" idx="0"/>
+          </p:cNvCxnSpPr>
+          <p:nvPr/>
+        </p:nvCxnSpPr>
+        <p:spPr>
+          <a:xfrm flipH="1">
+            <a:off x="10005702" y="3167964"/>
+            <a:ext cx="8026" cy="1899270"/>
+          </a:xfrm>
+          <a:prstGeom prst="line">
+            <a:avLst/>
+          </a:prstGeom>
+          <a:ln>
+            <a:solidFill>
+              <a:schemeClr val="tx1"/>
+            </a:solidFill>
+            <a:prstDash val="dash"/>
+          </a:ln>
+        </p:spPr>
+        <p:style>
+          <a:lnRef idx="1">
+            <a:schemeClr val="accent1"/>
+          </a:lnRef>
+          <a:fillRef idx="0">
+            <a:schemeClr val="accent1"/>
+          </a:fillRef>
+          <a:effectRef idx="0">
+            <a:schemeClr val="accent1"/>
+          </a:effectRef>
+          <a:fontRef idx="minor">
+            <a:schemeClr val="tx1"/>
+          </a:fontRef>
+        </p:style>
+      </p:cxnSp>
+      <p:sp>
+        <p:nvSpPr>
+          <p:cNvPr id="192" name="Oval 191">
+            <a:extLst>
+              <a:ext uri="{FF2B5EF4-FFF2-40B4-BE49-F238E27FC236}">
+                <a16:creationId xmlns:a16="http://schemas.microsoft.com/office/drawing/2014/main" id="{7EB41B61-6B19-5246-B976-3E14638E8BBD}"/>
+              </a:ext>
+            </a:extLst>
+          </p:cNvPr>
+          <p:cNvSpPr/>
+          <p:nvPr/>
+        </p:nvSpPr>
+        <p:spPr>
+          <a:xfrm rot="10800000">
+            <a:off x="9937734" y="3611908"/>
+            <a:ext cx="135936" cy="135936"/>
+          </a:xfrm>
+          <a:prstGeom prst="ellipse">
+            <a:avLst/>
+          </a:prstGeom>
+          <a:ln>
+            <a:tailEnd type="none"/>
+          </a:ln>
+        </p:spPr>
+        <p:style>
+          <a:lnRef idx="2">
+            <a:schemeClr val="dk1"/>
+          </a:lnRef>
+          <a:fillRef idx="1">
+            <a:schemeClr val="lt1"/>
+          </a:fillRef>
+          <a:effectRef idx="0">
+            <a:schemeClr val="dk1"/>
+          </a:effectRef>
+          <a:fontRef idx="minor">
+            <a:schemeClr val="dk1"/>
+          </a:fontRef>
+        </p:style>
+        <p:txBody>
+          <a:bodyPr rtlCol="0" anchor="ctr"/>
+          <a:lstStyle/>
+          <a:p>
+            <a:pPr algn="ctr"/>
+            <a:endParaRPr lang="en-US" sz="1600"/>
+          </a:p>
+        </p:txBody>
+      </p:sp>
     </p:spTree>
     <p:extLst>
       <p:ext uri="{BB962C8B-B14F-4D97-AF65-F5344CB8AC3E}">
